--- a/ELK.pptx
+++ b/ELK.pptx
@@ -837,10 +837,6 @@
           <a:bodyPr/>
           <a:lstStyle/>
           <a:p>
-            <a:r>
-              <a:rPr lang="en-US" altLang="zh-CN" dirty="0" smtClean="0"/>
-              <a:t>https://www.elastic.co/cn/products/x-pack/machine-learning</a:t>
-            </a:r>
             <a:endParaRPr lang="zh-CN" altLang="en-US" dirty="0"/>
           </a:p>
         </p:txBody>
@@ -862,6 +858,178 @@
           <a:p>
             <a:fld id="{EB435856-7515-49D9-83E3-9AF0D82A1EB8}" type="slidenum">
               <a:rPr lang="zh-CN" altLang="en-US" smtClean="0"/>
+              <a:t>9</a:t>
+            </a:fld>
+            <a:endParaRPr lang="zh-CN" altLang="en-US"/>
+          </a:p>
+        </p:txBody>
+      </p:sp>
+    </p:spTree>
+    <p:extLst>
+      <p:ext uri="{BB962C8B-B14F-4D97-AF65-F5344CB8AC3E}">
+        <p14:creationId xmlns:p14="http://schemas.microsoft.com/office/powerpoint/2010/main" val="2245929044"/>
+      </p:ext>
+    </p:extLst>
+  </p:cSld>
+  <p:clrMapOvr>
+    <a:masterClrMapping/>
+  </p:clrMapOvr>
+</p:notes>
+</file>
+
+<file path=ppt/notesSlides/notesSlide2.xml><?xml version="1.0" encoding="utf-8"?>
+<p:notes xmlns:a="http://schemas.openxmlformats.org/drawingml/2006/main" xmlns:r="http://schemas.openxmlformats.org/officeDocument/2006/relationships" xmlns:p="http://schemas.openxmlformats.org/presentationml/2006/main">
+  <p:cSld>
+    <p:spTree>
+      <p:nvGrpSpPr>
+        <p:cNvPr id="1" name=""/>
+        <p:cNvGrpSpPr/>
+        <p:nvPr/>
+      </p:nvGrpSpPr>
+      <p:grpSpPr>
+        <a:xfrm>
+          <a:off x="0" y="0"/>
+          <a:ext cx="0" cy="0"/>
+          <a:chOff x="0" y="0"/>
+          <a:chExt cx="0" cy="0"/>
+        </a:xfrm>
+      </p:grpSpPr>
+      <p:sp>
+        <p:nvSpPr>
+          <p:cNvPr id="2" name="幻灯片图像占位符 1"/>
+          <p:cNvSpPr>
+            <a:spLocks noGrp="1" noRot="1" noChangeAspect="1"/>
+          </p:cNvSpPr>
+          <p:nvPr>
+            <p:ph type="sldImg"/>
+          </p:nvPr>
+        </p:nvSpPr>
+        <p:spPr/>
+      </p:sp>
+      <p:sp>
+        <p:nvSpPr>
+          <p:cNvPr id="3" name="备注占位符 2"/>
+          <p:cNvSpPr>
+            <a:spLocks noGrp="1"/>
+          </p:cNvSpPr>
+          <p:nvPr>
+            <p:ph type="body" idx="1"/>
+          </p:nvPr>
+        </p:nvSpPr>
+        <p:spPr/>
+        <p:txBody>
+          <a:bodyPr/>
+          <a:lstStyle/>
+          <a:p>
+            <a:endParaRPr lang="zh-CN" altLang="en-US" dirty="0"/>
+          </a:p>
+        </p:txBody>
+      </p:sp>
+      <p:sp>
+        <p:nvSpPr>
+          <p:cNvPr id="4" name="灯片编号占位符 3"/>
+          <p:cNvSpPr>
+            <a:spLocks noGrp="1"/>
+          </p:cNvSpPr>
+          <p:nvPr>
+            <p:ph type="sldNum" sz="quarter" idx="10"/>
+          </p:nvPr>
+        </p:nvSpPr>
+        <p:spPr/>
+        <p:txBody>
+          <a:bodyPr/>
+          <a:lstStyle/>
+          <a:p>
+            <a:fld id="{EB435856-7515-49D9-83E3-9AF0D82A1EB8}" type="slidenum">
+              <a:rPr lang="zh-CN" altLang="en-US" smtClean="0"/>
+              <a:t>11</a:t>
+            </a:fld>
+            <a:endParaRPr lang="zh-CN" altLang="en-US"/>
+          </a:p>
+        </p:txBody>
+      </p:sp>
+    </p:spTree>
+    <p:extLst>
+      <p:ext uri="{BB962C8B-B14F-4D97-AF65-F5344CB8AC3E}">
+        <p14:creationId xmlns:p14="http://schemas.microsoft.com/office/powerpoint/2010/main" val="2535872984"/>
+      </p:ext>
+    </p:extLst>
+  </p:cSld>
+  <p:clrMapOvr>
+    <a:masterClrMapping/>
+  </p:clrMapOvr>
+</p:notes>
+</file>
+
+<file path=ppt/notesSlides/notesSlide3.xml><?xml version="1.0" encoding="utf-8"?>
+<p:notes xmlns:a="http://schemas.openxmlformats.org/drawingml/2006/main" xmlns:r="http://schemas.openxmlformats.org/officeDocument/2006/relationships" xmlns:p="http://schemas.openxmlformats.org/presentationml/2006/main">
+  <p:cSld>
+    <p:spTree>
+      <p:nvGrpSpPr>
+        <p:cNvPr id="1" name=""/>
+        <p:cNvGrpSpPr/>
+        <p:nvPr/>
+      </p:nvGrpSpPr>
+      <p:grpSpPr>
+        <a:xfrm>
+          <a:off x="0" y="0"/>
+          <a:ext cx="0" cy="0"/>
+          <a:chOff x="0" y="0"/>
+          <a:chExt cx="0" cy="0"/>
+        </a:xfrm>
+      </p:grpSpPr>
+      <p:sp>
+        <p:nvSpPr>
+          <p:cNvPr id="2" name="幻灯片图像占位符 1"/>
+          <p:cNvSpPr>
+            <a:spLocks noGrp="1" noRot="1" noChangeAspect="1"/>
+          </p:cNvSpPr>
+          <p:nvPr>
+            <p:ph type="sldImg"/>
+          </p:nvPr>
+        </p:nvSpPr>
+        <p:spPr/>
+      </p:sp>
+      <p:sp>
+        <p:nvSpPr>
+          <p:cNvPr id="3" name="备注占位符 2"/>
+          <p:cNvSpPr>
+            <a:spLocks noGrp="1"/>
+          </p:cNvSpPr>
+          <p:nvPr>
+            <p:ph type="body" idx="1"/>
+          </p:nvPr>
+        </p:nvSpPr>
+        <p:spPr/>
+        <p:txBody>
+          <a:bodyPr/>
+          <a:lstStyle/>
+          <a:p>
+            <a:r>
+              <a:rPr lang="en-US" altLang="zh-CN" dirty="0" smtClean="0"/>
+              <a:t>https://www.elastic.co/cn/products/x-pack/machine-learning</a:t>
+            </a:r>
+            <a:endParaRPr lang="zh-CN" altLang="en-US" dirty="0"/>
+          </a:p>
+        </p:txBody>
+      </p:sp>
+      <p:sp>
+        <p:nvSpPr>
+          <p:cNvPr id="4" name="灯片编号占位符 3"/>
+          <p:cNvSpPr>
+            <a:spLocks noGrp="1"/>
+          </p:cNvSpPr>
+          <p:nvPr>
+            <p:ph type="sldNum" sz="quarter" idx="10"/>
+          </p:nvPr>
+        </p:nvSpPr>
+        <p:spPr/>
+        <p:txBody>
+          <a:bodyPr/>
+          <a:lstStyle/>
+          <a:p>
+            <a:fld id="{EB435856-7515-49D9-83E3-9AF0D82A1EB8}" type="slidenum">
+              <a:rPr lang="zh-CN" altLang="en-US" smtClean="0"/>
               <a:t>15</a:t>
             </a:fld>
             <a:endParaRPr lang="zh-CN" altLang="en-US"/>
@@ -872,6 +1040,90 @@
     <p:extLst>
       <p:ext uri="{BB962C8B-B14F-4D97-AF65-F5344CB8AC3E}">
         <p14:creationId xmlns:p14="http://schemas.microsoft.com/office/powerpoint/2010/main" val="3264226694"/>
+      </p:ext>
+    </p:extLst>
+  </p:cSld>
+  <p:clrMapOvr>
+    <a:masterClrMapping/>
+  </p:clrMapOvr>
+</p:notes>
+</file>
+
+<file path=ppt/notesSlides/notesSlide4.xml><?xml version="1.0" encoding="utf-8"?>
+<p:notes xmlns:a="http://schemas.openxmlformats.org/drawingml/2006/main" xmlns:r="http://schemas.openxmlformats.org/officeDocument/2006/relationships" xmlns:p="http://schemas.openxmlformats.org/presentationml/2006/main">
+  <p:cSld>
+    <p:spTree>
+      <p:nvGrpSpPr>
+        <p:cNvPr id="1" name=""/>
+        <p:cNvGrpSpPr/>
+        <p:nvPr/>
+      </p:nvGrpSpPr>
+      <p:grpSpPr>
+        <a:xfrm>
+          <a:off x="0" y="0"/>
+          <a:ext cx="0" cy="0"/>
+          <a:chOff x="0" y="0"/>
+          <a:chExt cx="0" cy="0"/>
+        </a:xfrm>
+      </p:grpSpPr>
+      <p:sp>
+        <p:nvSpPr>
+          <p:cNvPr id="2" name="幻灯片图像占位符 1"/>
+          <p:cNvSpPr>
+            <a:spLocks noGrp="1" noRot="1" noChangeAspect="1"/>
+          </p:cNvSpPr>
+          <p:nvPr>
+            <p:ph type="sldImg"/>
+          </p:nvPr>
+        </p:nvSpPr>
+        <p:spPr/>
+      </p:sp>
+      <p:sp>
+        <p:nvSpPr>
+          <p:cNvPr id="3" name="备注占位符 2"/>
+          <p:cNvSpPr>
+            <a:spLocks noGrp="1"/>
+          </p:cNvSpPr>
+          <p:nvPr>
+            <p:ph type="body" idx="1"/>
+          </p:nvPr>
+        </p:nvSpPr>
+        <p:spPr/>
+        <p:txBody>
+          <a:bodyPr/>
+          <a:lstStyle/>
+          <a:p>
+            <a:endParaRPr lang="zh-CN" altLang="en-US" dirty="0"/>
+          </a:p>
+        </p:txBody>
+      </p:sp>
+      <p:sp>
+        <p:nvSpPr>
+          <p:cNvPr id="4" name="灯片编号占位符 3"/>
+          <p:cNvSpPr>
+            <a:spLocks noGrp="1"/>
+          </p:cNvSpPr>
+          <p:nvPr>
+            <p:ph type="sldNum" sz="quarter" idx="10"/>
+          </p:nvPr>
+        </p:nvSpPr>
+        <p:spPr/>
+        <p:txBody>
+          <a:bodyPr/>
+          <a:lstStyle/>
+          <a:p>
+            <a:fld id="{EB435856-7515-49D9-83E3-9AF0D82A1EB8}" type="slidenum">
+              <a:rPr lang="zh-CN" altLang="en-US" smtClean="0"/>
+              <a:t>17</a:t>
+            </a:fld>
+            <a:endParaRPr lang="zh-CN" altLang="en-US"/>
+          </a:p>
+        </p:txBody>
+      </p:sp>
+    </p:spTree>
+    <p:extLst>
+      <p:ext uri="{BB962C8B-B14F-4D97-AF65-F5344CB8AC3E}">
+        <p14:creationId xmlns:p14="http://schemas.microsoft.com/office/powerpoint/2010/main" val="289082799"/>
       </p:ext>
     </p:extLst>
   </p:cSld>
@@ -3149,7 +3401,7 @@
         <p:spPr>
           <a:xfrm>
             <a:off x="3715657" y="2585006"/>
-            <a:ext cx="4572000" cy="584771"/>
+            <a:ext cx="4572000" cy="707882"/>
           </a:xfrm>
           <a:prstGeom prst="rect">
             <a:avLst/>
@@ -3163,85 +3415,13 @@
           <a:p>
             <a:pPr algn="ctr"/>
             <a:r>
-              <a:rPr kumimoji="1" lang="en-US" altLang="zh-CN" sz="3200" dirty="0" smtClean="0"/>
+              <a:rPr kumimoji="1" lang="en-US" altLang="zh-CN" sz="4000" dirty="0" smtClean="0"/>
               <a:t>ELK Session</a:t>
             </a:r>
-            <a:endParaRPr kumimoji="1" lang="en-US" altLang="zh-CN" sz="3200" dirty="0"/>
+            <a:endParaRPr kumimoji="1" lang="en-US" altLang="zh-CN" sz="4000" dirty="0"/>
           </a:p>
         </p:txBody>
       </p:sp>
-      <p:cxnSp>
-        <p:nvCxnSpPr>
-          <p:cNvPr id="4" name="直线连接符 4"/>
-          <p:cNvCxnSpPr/>
-          <p:nvPr/>
-        </p:nvCxnSpPr>
-        <p:spPr>
-          <a:xfrm flipH="1">
-            <a:off x="2437202" y="2908169"/>
-            <a:ext cx="1143984" cy="0"/>
-          </a:xfrm>
-          <a:prstGeom prst="line">
-            <a:avLst/>
-          </a:prstGeom>
-          <a:ln>
-            <a:solidFill>
-              <a:schemeClr val="tx1"/>
-            </a:solidFill>
-          </a:ln>
-          <a:effectLst/>
-        </p:spPr>
-        <p:style>
-          <a:lnRef idx="2">
-            <a:schemeClr val="accent1"/>
-          </a:lnRef>
-          <a:fillRef idx="0">
-            <a:schemeClr val="accent1"/>
-          </a:fillRef>
-          <a:effectRef idx="1">
-            <a:schemeClr val="accent1"/>
-          </a:effectRef>
-          <a:fontRef idx="minor">
-            <a:schemeClr val="tx1"/>
-          </a:fontRef>
-        </p:style>
-      </p:cxnSp>
-      <p:cxnSp>
-        <p:nvCxnSpPr>
-          <p:cNvPr id="5" name="直线连接符 5"/>
-          <p:cNvCxnSpPr/>
-          <p:nvPr/>
-        </p:nvCxnSpPr>
-        <p:spPr>
-          <a:xfrm flipH="1">
-            <a:off x="8382989" y="2913612"/>
-            <a:ext cx="1143984" cy="0"/>
-          </a:xfrm>
-          <a:prstGeom prst="line">
-            <a:avLst/>
-          </a:prstGeom>
-          <a:ln>
-            <a:solidFill>
-              <a:schemeClr val="tx1"/>
-            </a:solidFill>
-          </a:ln>
-          <a:effectLst/>
-        </p:spPr>
-        <p:style>
-          <a:lnRef idx="2">
-            <a:schemeClr val="accent1"/>
-          </a:lnRef>
-          <a:fillRef idx="0">
-            <a:schemeClr val="accent1"/>
-          </a:fillRef>
-          <a:effectRef idx="1">
-            <a:schemeClr val="accent1"/>
-          </a:effectRef>
-          <a:fontRef idx="minor">
-            <a:schemeClr val="tx1"/>
-          </a:fontRef>
-        </p:style>
-      </p:cxnSp>
       <p:sp>
         <p:nvSpPr>
           <p:cNvPr id="6" name="矩形 5"/>
@@ -3448,7 +3628,18 @@
           <p:nvPr/>
         </p:nvPicPr>
         <p:blipFill>
-          <a:blip r:embed="rId2"/>
+          <a:blip r:embed="rId2">
+            <a:clrChange>
+              <a:clrFrom>
+                <a:srgbClr val="F7F7F7"/>
+              </a:clrFrom>
+              <a:clrTo>
+                <a:srgbClr val="F7F7F7">
+                  <a:alpha val="0"/>
+                </a:srgbClr>
+              </a:clrTo>
+            </a:clrChange>
+          </a:blip>
           <a:stretch>
             <a:fillRect/>
           </a:stretch>
@@ -3471,8 +3662,8 @@
         </p:nvSpPr>
         <p:spPr>
           <a:xfrm>
-            <a:off x="0" y="241362"/>
-            <a:ext cx="1224438" cy="369332"/>
+            <a:off x="135082" y="251753"/>
+            <a:ext cx="2109873" cy="535531"/>
           </a:xfrm>
           <a:prstGeom prst="rect">
             <a:avLst/>
@@ -3484,15 +3675,32 @@
           </a:bodyPr>
           <a:lstStyle/>
           <a:p>
-            <a:r>
-              <a:rPr lang="en-US" altLang="zh-CN" dirty="0"/>
+            <a:pPr>
+              <a:lnSpc>
+                <a:spcPct val="90000"/>
+              </a:lnSpc>
+              <a:spcBef>
+                <a:spcPct val="0"/>
+              </a:spcBef>
+            </a:pPr>
+            <a:r>
+              <a:rPr lang="en-US" altLang="zh-CN" sz="3200" b="1" dirty="0">
+                <a:latin typeface="Cambria Math" panose="02040503050406030204" pitchFamily="18" charset="0"/>
+                <a:ea typeface="Cambria Math" panose="02040503050406030204" pitchFamily="18" charset="0"/>
+              </a:rPr>
               <a:t>2. </a:t>
             </a:r>
             <a:r>
-              <a:rPr lang="en-US" altLang="zh-CN" dirty="0" err="1"/>
+              <a:rPr lang="en-US" altLang="zh-CN" sz="3200" b="1" dirty="0" err="1">
+                <a:latin typeface="Cambria Math" panose="02040503050406030204" pitchFamily="18" charset="0"/>
+                <a:ea typeface="Cambria Math" panose="02040503050406030204" pitchFamily="18" charset="0"/>
+              </a:rPr>
               <a:t>Logstash</a:t>
             </a:r>
-            <a:endParaRPr lang="zh-CN" altLang="en-US" dirty="0"/>
+            <a:endParaRPr lang="zh-CN" altLang="en-US" sz="3200" b="1" dirty="0">
+              <a:latin typeface="Cambria Math" panose="02040503050406030204" pitchFamily="18" charset="0"/>
+              <a:ea typeface="Cambria Math" panose="02040503050406030204" pitchFamily="18" charset="0"/>
+            </a:endParaRPr>
           </a:p>
         </p:txBody>
       </p:sp>
@@ -3610,7 +3818,7 @@
             </a:r>
             <a:r>
               <a:rPr lang="zh-CN" altLang="en-US" b="1" dirty="0">
-                <a:hlinkClick r:id="rId2"/>
+                <a:hlinkClick r:id="rId3"/>
               </a:rPr>
               <a:t>众多输出选择</a:t>
             </a:r>
@@ -3630,14 +3838,25 @@
           <p:nvPr/>
         </p:nvPicPr>
         <p:blipFill>
-          <a:blip r:embed="rId3"/>
+          <a:blip r:embed="rId4">
+            <a:clrChange>
+              <a:clrFrom>
+                <a:srgbClr val="F7F7F7"/>
+              </a:clrFrom>
+              <a:clrTo>
+                <a:srgbClr val="F7F7F7">
+                  <a:alpha val="0"/>
+                </a:srgbClr>
+              </a:clrTo>
+            </a:clrChange>
+          </a:blip>
           <a:stretch>
             <a:fillRect/>
           </a:stretch>
         </p:blipFill>
         <p:spPr>
           <a:xfrm>
-            <a:off x="88776" y="2232919"/>
+            <a:off x="88776" y="1792579"/>
             <a:ext cx="5214151" cy="3848100"/>
           </a:xfrm>
           <a:prstGeom prst="rect">
@@ -3654,7 +3873,7 @@
         <p:spPr>
           <a:xfrm>
             <a:off x="88776" y="407616"/>
-            <a:ext cx="1224438" cy="369332"/>
+            <a:ext cx="2109873" cy="535531"/>
           </a:xfrm>
           <a:prstGeom prst="rect">
             <a:avLst/>
@@ -3666,15 +3885,32 @@
           </a:bodyPr>
           <a:lstStyle/>
           <a:p>
-            <a:r>
-              <a:rPr lang="en-US" altLang="zh-CN" dirty="0"/>
+            <a:pPr>
+              <a:lnSpc>
+                <a:spcPct val="90000"/>
+              </a:lnSpc>
+              <a:spcBef>
+                <a:spcPct val="0"/>
+              </a:spcBef>
+            </a:pPr>
+            <a:r>
+              <a:rPr lang="en-US" altLang="zh-CN" sz="3200" b="1" dirty="0">
+                <a:latin typeface="Cambria Math" panose="02040503050406030204" pitchFamily="18" charset="0"/>
+                <a:ea typeface="Cambria Math" panose="02040503050406030204" pitchFamily="18" charset="0"/>
+              </a:rPr>
               <a:t>2. </a:t>
             </a:r>
             <a:r>
-              <a:rPr lang="en-US" altLang="zh-CN" dirty="0" err="1"/>
+              <a:rPr lang="en-US" altLang="zh-CN" sz="3200" b="1" dirty="0" err="1">
+                <a:latin typeface="Cambria Math" panose="02040503050406030204" pitchFamily="18" charset="0"/>
+                <a:ea typeface="Cambria Math" panose="02040503050406030204" pitchFamily="18" charset="0"/>
+              </a:rPr>
               <a:t>Logstash</a:t>
             </a:r>
-            <a:endParaRPr lang="zh-CN" altLang="en-US" dirty="0"/>
+            <a:endParaRPr lang="zh-CN" altLang="en-US" sz="3200" b="1" dirty="0">
+              <a:latin typeface="Cambria Math" panose="02040503050406030204" pitchFamily="18" charset="0"/>
+              <a:ea typeface="Cambria Math" panose="02040503050406030204" pitchFamily="18" charset="0"/>
+            </a:endParaRPr>
           </a:p>
         </p:txBody>
       </p:sp>
@@ -3737,7 +3973,12 @@
             <p:ph type="title"/>
           </p:nvPr>
         </p:nvSpPr>
-        <p:spPr/>
+        <p:spPr>
+          <a:xfrm>
+            <a:off x="502341" y="632269"/>
+            <a:ext cx="3165649" cy="638209"/>
+          </a:xfrm>
+        </p:spPr>
         <p:txBody>
           <a:bodyPr>
             <a:normAutofit fontScale="90000"/>
@@ -3745,15 +3986,27 @@
           <a:lstStyle/>
           <a:p>
             <a:r>
-              <a:rPr lang="en-US" altLang="zh-CN" dirty="0" err="1" smtClean="0"/>
-              <a:t>Logstash</a:t>
-            </a:r>
-            <a:r>
-              <a:rPr lang="en-US" altLang="zh-CN" dirty="0" smtClean="0"/>
-              <a:t> </a:t>
-            </a:r>
-            <a:r>
-              <a:rPr lang="zh-CN" altLang="en-US" dirty="0" smtClean="0"/>
+              <a:rPr lang="en-US" altLang="zh-CN" sz="3200" dirty="0" smtClean="0">
+                <a:latin typeface="Cambria Math" panose="02040503050406030204" pitchFamily="18" charset="0"/>
+                <a:ea typeface="Cambria Math" panose="02040503050406030204" pitchFamily="18" charset="0"/>
+                <a:cs typeface="+mn-cs"/>
+              </a:rPr>
+              <a:t>2.</a:t>
+            </a:r>
+            <a:r>
+              <a:rPr lang="en-US" altLang="zh-CN" sz="3600" dirty="0" smtClean="0">
+                <a:latin typeface="Cambria Math" panose="02040503050406030204" pitchFamily="18" charset="0"/>
+                <a:ea typeface="Cambria Math" panose="02040503050406030204" pitchFamily="18" charset="0"/>
+                <a:cs typeface="+mn-cs"/>
+              </a:rPr>
+              <a:t>Logstash </a:t>
+            </a:r>
+            <a:r>
+              <a:rPr lang="zh-CN" altLang="en-US" sz="3600" dirty="0">
+                <a:latin typeface="Cambria Math" panose="02040503050406030204" pitchFamily="18" charset="0"/>
+                <a:ea typeface="Cambria Math" panose="02040503050406030204" pitchFamily="18" charset="0"/>
+                <a:cs typeface="+mn-cs"/>
+              </a:rPr>
               <a:t>优势</a:t>
             </a:r>
             <a:r>
@@ -4223,18 +4476,34 @@
           <a:lstStyle/>
           <a:p>
             <a:r>
-              <a:rPr lang="en-US" altLang="zh-CN" dirty="0"/>
+              <a:rPr lang="en-US" altLang="zh-CN" sz="3200" dirty="0">
+                <a:latin typeface="Cambria Math" panose="02040503050406030204" pitchFamily="18" charset="0"/>
+                <a:ea typeface="Cambria Math" panose="02040503050406030204" pitchFamily="18" charset="0"/>
+                <a:cs typeface="+mn-cs"/>
+              </a:rPr>
               <a:t>3</a:t>
             </a:r>
             <a:r>
-              <a:rPr lang="en-US" altLang="zh-CN" dirty="0" smtClean="0"/>
+              <a:rPr lang="en-US" altLang="zh-CN" sz="3200" dirty="0">
+                <a:latin typeface="Cambria Math" panose="02040503050406030204" pitchFamily="18" charset="0"/>
+                <a:ea typeface="Cambria Math" panose="02040503050406030204" pitchFamily="18" charset="0"/>
+                <a:cs typeface="+mn-cs"/>
+              </a:rPr>
               <a:t>. </a:t>
             </a:r>
             <a:r>
-              <a:rPr lang="en-US" altLang="zh-CN" dirty="0" err="1" smtClean="0"/>
+              <a:rPr lang="en-US" altLang="zh-CN" sz="3200" dirty="0" err="1">
+                <a:latin typeface="Cambria Math" panose="02040503050406030204" pitchFamily="18" charset="0"/>
+                <a:ea typeface="Cambria Math" panose="02040503050406030204" pitchFamily="18" charset="0"/>
+                <a:cs typeface="+mn-cs"/>
+              </a:rPr>
               <a:t>Kibana</a:t>
             </a:r>
-            <a:endParaRPr lang="zh-CN" altLang="en-US" dirty="0"/>
+            <a:endParaRPr lang="zh-CN" altLang="en-US" sz="3200" dirty="0">
+              <a:latin typeface="Cambria Math" panose="02040503050406030204" pitchFamily="18" charset="0"/>
+              <a:ea typeface="Cambria Math" panose="02040503050406030204" pitchFamily="18" charset="0"/>
+              <a:cs typeface="+mn-cs"/>
+            </a:endParaRPr>
           </a:p>
         </p:txBody>
       </p:sp>
@@ -4670,7 +4939,7 @@
 </file>
 
 <file path=ppt/slides/slide14.xml><?xml version="1.0" encoding="utf-8"?>
-<p:sld xmlns:a="http://schemas.openxmlformats.org/drawingml/2006/main" xmlns:r="http://schemas.openxmlformats.org/officeDocument/2006/relationships" xmlns:p="http://schemas.openxmlformats.org/presentationml/2006/main">
+<p:sld xmlns:a="http://schemas.openxmlformats.org/drawingml/2006/main" xmlns:r="http://schemas.openxmlformats.org/officeDocument/2006/relationships" xmlns:p="http://schemas.openxmlformats.org/presentationml/2006/main" showMasterSp="0">
   <p:cSld>
     <p:spTree>
       <p:nvGrpSpPr>
@@ -4718,7 +4987,7 @@
         </p:nvSpPr>
         <p:spPr>
           <a:xfrm>
-            <a:off x="6752888" y="3334435"/>
+            <a:off x="7392203" y="2659026"/>
             <a:ext cx="2760955" cy="923330"/>
           </a:xfrm>
           <a:prstGeom prst="rect">
@@ -4806,7 +5075,7 @@
         </p:nvSpPr>
         <p:spPr>
           <a:xfrm>
-            <a:off x="6752888" y="2736503"/>
+            <a:off x="7338115" y="1853275"/>
             <a:ext cx="1590500" cy="369332"/>
           </a:xfrm>
           <a:prstGeom prst="rect">
@@ -4873,8 +5142,8 @@
         </p:nvSpPr>
         <p:spPr>
           <a:xfrm>
-            <a:off x="72736" y="532307"/>
-            <a:ext cx="1050288" cy="369332"/>
+            <a:off x="0" y="563479"/>
+            <a:ext cx="1784463" cy="535531"/>
           </a:xfrm>
           <a:prstGeom prst="rect">
             <a:avLst/>
@@ -4886,15 +5155,32 @@
           </a:bodyPr>
           <a:lstStyle/>
           <a:p>
-            <a:r>
-              <a:rPr lang="en-US" altLang="zh-CN" dirty="0"/>
+            <a:pPr>
+              <a:lnSpc>
+                <a:spcPct val="90000"/>
+              </a:lnSpc>
+              <a:spcBef>
+                <a:spcPct val="0"/>
+              </a:spcBef>
+            </a:pPr>
+            <a:r>
+              <a:rPr lang="en-US" altLang="zh-CN" sz="3200" b="1" dirty="0">
+                <a:latin typeface="Cambria Math" panose="02040503050406030204" pitchFamily="18" charset="0"/>
+                <a:ea typeface="Cambria Math" panose="02040503050406030204" pitchFamily="18" charset="0"/>
+              </a:rPr>
               <a:t>3. </a:t>
             </a:r>
             <a:r>
-              <a:rPr lang="en-US" altLang="zh-CN" dirty="0" err="1"/>
+              <a:rPr lang="en-US" altLang="zh-CN" sz="3200" b="1" dirty="0" err="1">
+                <a:latin typeface="Cambria Math" panose="02040503050406030204" pitchFamily="18" charset="0"/>
+                <a:ea typeface="Cambria Math" panose="02040503050406030204" pitchFamily="18" charset="0"/>
+              </a:rPr>
               <a:t>Kibana</a:t>
             </a:r>
-            <a:endParaRPr lang="zh-CN" altLang="en-US" dirty="0"/>
+            <a:endParaRPr lang="zh-CN" altLang="en-US" sz="3200" b="1" dirty="0">
+              <a:latin typeface="Cambria Math" panose="02040503050406030204" pitchFamily="18" charset="0"/>
+              <a:ea typeface="Cambria Math" panose="02040503050406030204" pitchFamily="18" charset="0"/>
+            </a:endParaRPr>
           </a:p>
         </p:txBody>
       </p:sp>
@@ -4931,7 +5217,7 @@
 </file>
 
 <file path=ppt/slides/slide15.xml><?xml version="1.0" encoding="utf-8"?>
-<p:sld xmlns:a="http://schemas.openxmlformats.org/drawingml/2006/main" xmlns:r="http://schemas.openxmlformats.org/officeDocument/2006/relationships" xmlns:p="http://schemas.openxmlformats.org/presentationml/2006/main">
+<p:sld xmlns:a="http://schemas.openxmlformats.org/drawingml/2006/main" xmlns:r="http://schemas.openxmlformats.org/officeDocument/2006/relationships" xmlns:p="http://schemas.openxmlformats.org/presentationml/2006/main" showMasterSp="0">
   <p:cSld>
     <p:spTree>
       <p:nvGrpSpPr>
@@ -4955,7 +5241,7 @@
         </p:nvSpPr>
         <p:spPr>
           <a:xfrm>
-            <a:off x="6746726" y="2949971"/>
+            <a:off x="7661126" y="1931662"/>
             <a:ext cx="2760955" cy="2308324"/>
           </a:xfrm>
           <a:prstGeom prst="rect">
@@ -5070,7 +5356,7 @@
         <p:spPr>
           <a:xfrm>
             <a:off x="125119" y="282925"/>
-            <a:ext cx="1050288" cy="369332"/>
+            <a:ext cx="1784463" cy="535531"/>
           </a:xfrm>
           <a:prstGeom prst="rect">
             <a:avLst/>
@@ -5082,15 +5368,32 @@
           </a:bodyPr>
           <a:lstStyle/>
           <a:p>
-            <a:r>
-              <a:rPr lang="en-US" altLang="zh-CN" dirty="0"/>
+            <a:pPr>
+              <a:lnSpc>
+                <a:spcPct val="90000"/>
+              </a:lnSpc>
+              <a:spcBef>
+                <a:spcPct val="0"/>
+              </a:spcBef>
+            </a:pPr>
+            <a:r>
+              <a:rPr lang="en-US" altLang="zh-CN" sz="3200" b="1" dirty="0">
+                <a:latin typeface="Cambria Math" panose="02040503050406030204" pitchFamily="18" charset="0"/>
+                <a:ea typeface="Cambria Math" panose="02040503050406030204" pitchFamily="18" charset="0"/>
+              </a:rPr>
               <a:t>3. </a:t>
             </a:r>
             <a:r>
-              <a:rPr lang="en-US" altLang="zh-CN" dirty="0" err="1"/>
+              <a:rPr lang="en-US" altLang="zh-CN" sz="3200" b="1" dirty="0" err="1">
+                <a:latin typeface="Cambria Math" panose="02040503050406030204" pitchFamily="18" charset="0"/>
+                <a:ea typeface="Cambria Math" panose="02040503050406030204" pitchFamily="18" charset="0"/>
+              </a:rPr>
               <a:t>Kibana</a:t>
             </a:r>
-            <a:endParaRPr lang="zh-CN" altLang="en-US" dirty="0"/>
+            <a:endParaRPr lang="zh-CN" altLang="en-US" sz="3200" b="1" dirty="0">
+              <a:latin typeface="Cambria Math" panose="02040503050406030204" pitchFamily="18" charset="0"/>
+              <a:ea typeface="Cambria Math" panose="02040503050406030204" pitchFamily="18" charset="0"/>
+            </a:endParaRPr>
           </a:p>
         </p:txBody>
       </p:sp>
@@ -5161,14 +5464,26 @@
           <a:lstStyle/>
           <a:p>
             <a:r>
-              <a:rPr lang="en-US" altLang="zh-CN" dirty="0"/>
+              <a:rPr lang="en-US" altLang="zh-CN" sz="3200" dirty="0">
+                <a:latin typeface="Cambria Math" panose="02040503050406030204" pitchFamily="18" charset="0"/>
+                <a:ea typeface="Cambria Math" panose="02040503050406030204" pitchFamily="18" charset="0"/>
+                <a:cs typeface="+mn-cs"/>
+              </a:rPr>
               <a:t>4. </a:t>
             </a:r>
             <a:r>
-              <a:rPr lang="zh-CN" altLang="en-US" dirty="0"/>
+              <a:rPr lang="zh-CN" altLang="en-US" sz="3200" dirty="0">
+                <a:latin typeface="Cambria Math" panose="02040503050406030204" pitchFamily="18" charset="0"/>
+                <a:ea typeface="Cambria Math" panose="02040503050406030204" pitchFamily="18" charset="0"/>
+                <a:cs typeface="+mn-cs"/>
+              </a:rPr>
               <a:t>案例分享</a:t>
             </a:r>
-            <a:endParaRPr lang="en-US" altLang="zh-CN" dirty="0"/>
+            <a:endParaRPr lang="en-US" altLang="zh-CN" sz="3200" dirty="0">
+              <a:latin typeface="Cambria Math" panose="02040503050406030204" pitchFamily="18" charset="0"/>
+              <a:ea typeface="Cambria Math" panose="02040503050406030204" pitchFamily="18" charset="0"/>
+              <a:cs typeface="+mn-cs"/>
+            </a:endParaRPr>
           </a:p>
         </p:txBody>
       </p:sp>
@@ -6226,7 +6541,7 @@
         </p:xfrm>
         <a:graphic>
           <a:graphicData uri="http://schemas.openxmlformats.org/drawingml/2006/chart">
-            <c:chart xmlns:c="http://schemas.openxmlformats.org/drawingml/2006/chart" xmlns:r="http://schemas.openxmlformats.org/officeDocument/2006/relationships" r:id="rId2"/>
+            <c:chart xmlns:c="http://schemas.openxmlformats.org/drawingml/2006/chart" xmlns:r="http://schemas.openxmlformats.org/officeDocument/2006/relationships" r:id="rId3"/>
           </a:graphicData>
         </a:graphic>
       </p:graphicFrame>
@@ -6636,15 +6951,15 @@
         </p:nvSpPr>
         <p:spPr>
           <a:xfrm>
-            <a:off x="3715657" y="2585006"/>
-            <a:ext cx="4572000" cy="1077214"/>
+            <a:off x="2628900" y="2585006"/>
+            <a:ext cx="5658757" cy="584771"/>
           </a:xfrm>
           <a:prstGeom prst="rect">
             <a:avLst/>
           </a:prstGeom>
         </p:spPr>
         <p:txBody>
-          <a:bodyPr lIns="91436" tIns="45718" rIns="91436" bIns="45718">
+          <a:bodyPr wrap="square" lIns="91436" tIns="45718" rIns="91436" bIns="45718">
             <a:spAutoFit/>
           </a:bodyPr>
           <a:lstStyle/>
@@ -6652,91 +6967,12 @@
             <a:pPr algn="ctr"/>
             <a:r>
               <a:rPr kumimoji="1" lang="en-US" altLang="zh-CN" sz="3200" dirty="0" smtClean="0"/>
-              <a:t>THANK</a:t>
-            </a:r>
-          </a:p>
-          <a:p>
-            <a:pPr algn="ctr"/>
-            <a:r>
-              <a:rPr kumimoji="1" lang="en-US" altLang="zh-CN" sz="3200" dirty="0" smtClean="0"/>
-              <a:t>YOU</a:t>
+              <a:t>THANK YOU</a:t>
             </a:r>
             <a:endParaRPr kumimoji="1" lang="en-US" altLang="zh-CN" sz="3200" dirty="0"/>
           </a:p>
         </p:txBody>
       </p:sp>
-      <p:cxnSp>
-        <p:nvCxnSpPr>
-          <p:cNvPr id="4" name="直线连接符 4"/>
-          <p:cNvCxnSpPr/>
-          <p:nvPr/>
-        </p:nvCxnSpPr>
-        <p:spPr>
-          <a:xfrm flipH="1">
-            <a:off x="2437202" y="2908169"/>
-            <a:ext cx="1143984" cy="0"/>
-          </a:xfrm>
-          <a:prstGeom prst="line">
-            <a:avLst/>
-          </a:prstGeom>
-          <a:ln>
-            <a:solidFill>
-              <a:schemeClr val="tx1"/>
-            </a:solidFill>
-          </a:ln>
-          <a:effectLst/>
-        </p:spPr>
-        <p:style>
-          <a:lnRef idx="2">
-            <a:schemeClr val="accent1"/>
-          </a:lnRef>
-          <a:fillRef idx="0">
-            <a:schemeClr val="accent1"/>
-          </a:fillRef>
-          <a:effectRef idx="1">
-            <a:schemeClr val="accent1"/>
-          </a:effectRef>
-          <a:fontRef idx="minor">
-            <a:schemeClr val="tx1"/>
-          </a:fontRef>
-        </p:style>
-      </p:cxnSp>
-      <p:cxnSp>
-        <p:nvCxnSpPr>
-          <p:cNvPr id="5" name="直线连接符 5"/>
-          <p:cNvCxnSpPr/>
-          <p:nvPr/>
-        </p:nvCxnSpPr>
-        <p:spPr>
-          <a:xfrm flipH="1">
-            <a:off x="8382989" y="2913612"/>
-            <a:ext cx="1143984" cy="0"/>
-          </a:xfrm>
-          <a:prstGeom prst="line">
-            <a:avLst/>
-          </a:prstGeom>
-          <a:ln>
-            <a:solidFill>
-              <a:schemeClr val="tx1"/>
-            </a:solidFill>
-          </a:ln>
-          <a:effectLst/>
-        </p:spPr>
-        <p:style>
-          <a:lnRef idx="2">
-            <a:schemeClr val="accent1"/>
-          </a:lnRef>
-          <a:fillRef idx="0">
-            <a:schemeClr val="accent1"/>
-          </a:fillRef>
-          <a:effectRef idx="1">
-            <a:schemeClr val="accent1"/>
-          </a:effectRef>
-          <a:fontRef idx="minor">
-            <a:schemeClr val="tx1"/>
-          </a:fontRef>
-        </p:style>
-      </p:cxnSp>
     </p:spTree>
     <p:extLst>
       <p:ext uri="{BB962C8B-B14F-4D97-AF65-F5344CB8AC3E}">
@@ -7370,7 +7606,7 @@
 </file>
 
 <file path=ppt/slides/slide3.xml><?xml version="1.0" encoding="utf-8"?>
-<p:sld xmlns:a="http://schemas.openxmlformats.org/drawingml/2006/main" xmlns:r="http://schemas.openxmlformats.org/officeDocument/2006/relationships" xmlns:p="http://schemas.openxmlformats.org/presentationml/2006/main">
+<p:sld xmlns:a="http://schemas.openxmlformats.org/drawingml/2006/main" xmlns:r="http://schemas.openxmlformats.org/officeDocument/2006/relationships" xmlns:p="http://schemas.openxmlformats.org/presentationml/2006/main" showMasterSp="0">
   <p:cSld>
     <p:spTree>
       <p:nvGrpSpPr>
@@ -7399,27 +7635,44 @@
         <p:spPr/>
         <p:txBody>
           <a:bodyPr>
-            <a:normAutofit/>
+            <a:normAutofit fontScale="90000"/>
           </a:bodyPr>
           <a:lstStyle/>
           <a:p>
-            <a:r>
-              <a:rPr lang="en-US" altLang="zh-CN" dirty="0"/>
-              <a:t>1</a:t>
-            </a:r>
-            <a:r>
-              <a:rPr lang="en-US" altLang="zh-CN" dirty="0" smtClean="0"/>
-              <a:t>. </a:t>
-            </a:r>
-            <a:r>
-              <a:rPr lang="en-US" altLang="zh-CN" b="0" dirty="0" err="1"/>
+            <a:pPr lvl="0">
+              <a:lnSpc>
+                <a:spcPct val="100000"/>
+              </a:lnSpc>
+              <a:spcBef>
+                <a:spcPts val="0"/>
+              </a:spcBef>
+            </a:pPr>
+            <a:r>
+              <a:rPr lang="en-US" altLang="zh-CN" sz="3200" b="0" dirty="0">
+                <a:solidFill>
+                  <a:prstClr val="black"/>
+                </a:solidFill>
+                <a:latin typeface="Cambria Math" panose="02040503050406030204" pitchFamily="18" charset="0"/>
+                <a:ea typeface="Cambria Math" panose="02040503050406030204" pitchFamily="18" charset="0"/>
+              </a:rPr>
+              <a:t>1. </a:t>
+            </a:r>
+            <a:r>
+              <a:rPr lang="en-US" altLang="zh-CN" sz="3200" b="0" dirty="0" err="1">
+                <a:solidFill>
+                  <a:prstClr val="black"/>
+                </a:solidFill>
+                <a:latin typeface="Cambria Math" panose="02040503050406030204" pitchFamily="18" charset="0"/>
+                <a:ea typeface="Cambria Math" panose="02040503050406030204" pitchFamily="18" charset="0"/>
+              </a:rPr>
               <a:t>Elasticsearch</a:t>
             </a:r>
-            <a:r>
-              <a:rPr lang="en-US" altLang="zh-CN" b="0" dirty="0"/>
-              <a:t> </a:t>
-            </a:r>
-            <a:endParaRPr lang="zh-CN" altLang="en-US" dirty="0"/>
+            <a:endParaRPr lang="zh-CN" altLang="en-US" sz="3200" b="0" dirty="0">
+              <a:solidFill>
+                <a:prstClr val="black"/>
+              </a:solidFill>
+              <a:latin typeface="Cambria Math" panose="02040503050406030204" pitchFamily="18" charset="0"/>
+            </a:endParaRPr>
           </a:p>
         </p:txBody>
       </p:sp>
@@ -7930,7 +8183,18 @@
           <p:nvPr/>
         </p:nvPicPr>
         <p:blipFill>
-          <a:blip r:embed="rId2"/>
+          <a:blip r:embed="rId2">
+            <a:clrChange>
+              <a:clrFrom>
+                <a:srgbClr val="F7F7F7"/>
+              </a:clrFrom>
+              <a:clrTo>
+                <a:srgbClr val="F7F7F7">
+                  <a:alpha val="0"/>
+                </a:srgbClr>
+              </a:clrTo>
+            </a:clrChange>
+          </a:blip>
           <a:stretch>
             <a:fillRect/>
           </a:stretch>
@@ -7954,7 +8218,7 @@
         <p:spPr>
           <a:xfrm>
             <a:off x="359169" y="345270"/>
-            <a:ext cx="1614994" cy="369332"/>
+            <a:ext cx="2894126" cy="584775"/>
           </a:xfrm>
           <a:prstGeom prst="rect">
             <a:avLst/>
@@ -7966,15 +8230,33 @@
           </a:bodyPr>
           <a:lstStyle/>
           <a:p>
-            <a:r>
-              <a:rPr lang="en-US" altLang="zh-CN" dirty="0"/>
+            <a:pPr lvl="0"/>
+            <a:r>
+              <a:rPr lang="en-US" altLang="zh-CN" sz="3200" dirty="0">
+                <a:solidFill>
+                  <a:prstClr val="black"/>
+                </a:solidFill>
+                <a:latin typeface="Cambria Math" panose="02040503050406030204" pitchFamily="18" charset="0"/>
+                <a:ea typeface="Cambria Math" panose="02040503050406030204" pitchFamily="18" charset="0"/>
+              </a:rPr>
               <a:t>1. </a:t>
             </a:r>
             <a:r>
-              <a:rPr lang="en-US" altLang="zh-CN" dirty="0" err="1"/>
+              <a:rPr lang="en-US" altLang="zh-CN" sz="3200" dirty="0" err="1">
+                <a:solidFill>
+                  <a:prstClr val="black"/>
+                </a:solidFill>
+                <a:latin typeface="Cambria Math" panose="02040503050406030204" pitchFamily="18" charset="0"/>
+                <a:ea typeface="Cambria Math" panose="02040503050406030204" pitchFamily="18" charset="0"/>
+              </a:rPr>
               <a:t>Elasticsearch</a:t>
             </a:r>
-            <a:endParaRPr lang="zh-CN" altLang="en-US" dirty="0"/>
+            <a:endParaRPr lang="zh-CN" altLang="en-US" sz="3200" dirty="0">
+              <a:solidFill>
+                <a:prstClr val="black"/>
+              </a:solidFill>
+              <a:latin typeface="Cambria Math" panose="02040503050406030204" pitchFamily="18" charset="0"/>
+            </a:endParaRPr>
           </a:p>
         </p:txBody>
       </p:sp>
@@ -8123,14 +8405,25 @@
           <p:nvPr/>
         </p:nvPicPr>
         <p:blipFill>
-          <a:blip r:embed="rId2"/>
+          <a:blip r:embed="rId2">
+            <a:clrChange>
+              <a:clrFrom>
+                <a:srgbClr val="F7F7F7"/>
+              </a:clrFrom>
+              <a:clrTo>
+                <a:srgbClr val="F7F7F7">
+                  <a:alpha val="0"/>
+                </a:srgbClr>
+              </a:clrTo>
+            </a:clrChange>
+          </a:blip>
           <a:stretch>
             <a:fillRect/>
           </a:stretch>
         </p:blipFill>
         <p:spPr>
           <a:xfrm>
-            <a:off x="383669" y="1968036"/>
+            <a:off x="601878" y="1781000"/>
             <a:ext cx="3097285" cy="3237810"/>
           </a:xfrm>
           <a:prstGeom prst="rect">
@@ -8147,7 +8440,7 @@
         <p:spPr>
           <a:xfrm>
             <a:off x="383669" y="345270"/>
-            <a:ext cx="1614994" cy="369332"/>
+            <a:ext cx="2894126" cy="584775"/>
           </a:xfrm>
           <a:prstGeom prst="rect">
             <a:avLst/>
@@ -8160,14 +8453,22 @@
           <a:lstStyle/>
           <a:p>
             <a:r>
-              <a:rPr lang="en-US" altLang="zh-CN" dirty="0"/>
+              <a:rPr lang="en-US" altLang="zh-CN" sz="3200" dirty="0">
+                <a:latin typeface="Cambria Math" panose="02040503050406030204" pitchFamily="18" charset="0"/>
+                <a:ea typeface="Cambria Math" panose="02040503050406030204" pitchFamily="18" charset="0"/>
+              </a:rPr>
               <a:t>1. </a:t>
             </a:r>
             <a:r>
-              <a:rPr lang="en-US" altLang="zh-CN" dirty="0" err="1"/>
+              <a:rPr lang="en-US" altLang="zh-CN" sz="3200" dirty="0" err="1">
+                <a:latin typeface="Cambria Math" panose="02040503050406030204" pitchFamily="18" charset="0"/>
+                <a:ea typeface="Cambria Math" panose="02040503050406030204" pitchFamily="18" charset="0"/>
+              </a:rPr>
               <a:t>Elasticsearch</a:t>
             </a:r>
-            <a:endParaRPr lang="zh-CN" altLang="en-US" dirty="0"/>
+            <a:endParaRPr lang="zh-CN" altLang="en-US" sz="3200" dirty="0">
+              <a:latin typeface="Cambria Math" panose="02040503050406030204" pitchFamily="18" charset="0"/>
+            </a:endParaRPr>
           </a:p>
         </p:txBody>
       </p:sp>
@@ -8344,14 +8645,25 @@
           <p:nvPr/>
         </p:nvPicPr>
         <p:blipFill>
-          <a:blip r:embed="rId2"/>
+          <a:blip r:embed="rId2">
+            <a:clrChange>
+              <a:clrFrom>
+                <a:srgbClr val="F7F7F7"/>
+              </a:clrFrom>
+              <a:clrTo>
+                <a:srgbClr val="F7F7F7">
+                  <a:alpha val="0"/>
+                </a:srgbClr>
+              </a:clrTo>
+            </a:clrChange>
+          </a:blip>
           <a:stretch>
             <a:fillRect/>
           </a:stretch>
         </p:blipFill>
         <p:spPr>
           <a:xfrm>
-            <a:off x="418324" y="1957645"/>
+            <a:off x="885915" y="1916082"/>
             <a:ext cx="2958721" cy="2957256"/>
           </a:xfrm>
           <a:prstGeom prst="rect">
@@ -8367,8 +8679,8 @@
         </p:nvSpPr>
         <p:spPr>
           <a:xfrm>
-            <a:off x="418324" y="397225"/>
-            <a:ext cx="1614994" cy="369332"/>
+            <a:off x="366369" y="459570"/>
+            <a:ext cx="2894126" cy="584775"/>
           </a:xfrm>
           <a:prstGeom prst="rect">
             <a:avLst/>
@@ -8381,14 +8693,23 @@
           <a:lstStyle/>
           <a:p>
             <a:r>
-              <a:rPr lang="en-US" altLang="zh-CN" dirty="0"/>
+              <a:rPr lang="en-US" altLang="zh-CN" sz="3200" dirty="0">
+                <a:latin typeface="Cambria Math" panose="02040503050406030204" pitchFamily="18" charset="0"/>
+                <a:ea typeface="Cambria Math" panose="02040503050406030204" pitchFamily="18" charset="0"/>
+              </a:rPr>
               <a:t>1. </a:t>
             </a:r>
             <a:r>
-              <a:rPr lang="en-US" altLang="zh-CN" dirty="0" err="1"/>
+              <a:rPr lang="en-US" altLang="zh-CN" sz="3200" dirty="0" err="1">
+                <a:latin typeface="Cambria Math" panose="02040503050406030204" pitchFamily="18" charset="0"/>
+                <a:ea typeface="Cambria Math" panose="02040503050406030204" pitchFamily="18" charset="0"/>
+              </a:rPr>
               <a:t>Elasticsearch</a:t>
             </a:r>
-            <a:endParaRPr lang="zh-CN" altLang="en-US" dirty="0"/>
+            <a:endParaRPr lang="zh-CN" altLang="en-US" sz="3200" dirty="0">
+              <a:latin typeface="Cambria Math" panose="02040503050406030204" pitchFamily="18" charset="0"/>
+              <a:ea typeface="Cambria Math" panose="02040503050406030204" pitchFamily="18" charset="0"/>
+            </a:endParaRPr>
           </a:p>
         </p:txBody>
       </p:sp>
@@ -8518,15 +8839,26 @@
           <p:nvPr/>
         </p:nvPicPr>
         <p:blipFill>
-          <a:blip r:embed="rId2"/>
+          <a:blip r:embed="rId2">
+            <a:clrChange>
+              <a:clrFrom>
+                <a:srgbClr val="F7F7F7"/>
+              </a:clrFrom>
+              <a:clrTo>
+                <a:srgbClr val="F7F7F7">
+                  <a:alpha val="0"/>
+                </a:srgbClr>
+              </a:clrTo>
+            </a:clrChange>
+          </a:blip>
           <a:stretch>
             <a:fillRect/>
           </a:stretch>
         </p:blipFill>
         <p:spPr>
           <a:xfrm>
-            <a:off x="298342" y="1665006"/>
-            <a:ext cx="2826327" cy="3083639"/>
+            <a:off x="298341" y="1665006"/>
+            <a:ext cx="3785286" cy="3083639"/>
           </a:xfrm>
           <a:prstGeom prst="rect">
             <a:avLst/>
@@ -8542,7 +8874,7 @@
         <p:spPr>
           <a:xfrm>
             <a:off x="96512" y="293316"/>
-            <a:ext cx="1614994" cy="369332"/>
+            <a:ext cx="2894126" cy="584775"/>
           </a:xfrm>
           <a:prstGeom prst="rect">
             <a:avLst/>
@@ -8555,14 +8887,23 @@
           <a:lstStyle/>
           <a:p>
             <a:r>
-              <a:rPr lang="en-US" altLang="zh-CN" dirty="0"/>
+              <a:rPr lang="en-US" altLang="zh-CN" sz="3200" dirty="0">
+                <a:latin typeface="Cambria Math" panose="02040503050406030204" pitchFamily="18" charset="0"/>
+                <a:ea typeface="Cambria Math" panose="02040503050406030204" pitchFamily="18" charset="0"/>
+              </a:rPr>
               <a:t>1. </a:t>
             </a:r>
             <a:r>
-              <a:rPr lang="en-US" altLang="zh-CN" dirty="0" err="1"/>
+              <a:rPr lang="en-US" altLang="zh-CN" sz="3200" dirty="0" err="1">
+                <a:latin typeface="Cambria Math" panose="02040503050406030204" pitchFamily="18" charset="0"/>
+                <a:ea typeface="Cambria Math" panose="02040503050406030204" pitchFamily="18" charset="0"/>
+              </a:rPr>
               <a:t>Elasticsearch</a:t>
             </a:r>
-            <a:endParaRPr lang="zh-CN" altLang="en-US" dirty="0"/>
+            <a:endParaRPr lang="zh-CN" altLang="en-US" sz="3200" dirty="0">
+              <a:latin typeface="Cambria Math" panose="02040503050406030204" pitchFamily="18" charset="0"/>
+              <a:ea typeface="Cambria Math" panose="02040503050406030204" pitchFamily="18" charset="0"/>
+            </a:endParaRPr>
           </a:p>
         </p:txBody>
       </p:sp>
@@ -8599,7 +8940,7 @@
 </file>
 
 <file path=ppt/slides/slide8.xml><?xml version="1.0" encoding="utf-8"?>
-<p:sld xmlns:a="http://schemas.openxmlformats.org/drawingml/2006/main" xmlns:r="http://schemas.openxmlformats.org/officeDocument/2006/relationships" xmlns:p="http://schemas.openxmlformats.org/presentationml/2006/main">
+<p:sld xmlns:a="http://schemas.openxmlformats.org/drawingml/2006/main" xmlns:r="http://schemas.openxmlformats.org/officeDocument/2006/relationships" xmlns:p="http://schemas.openxmlformats.org/presentationml/2006/main" showMasterSp="0">
   <p:cSld>
     <p:spTree>
       <p:nvGrpSpPr>
@@ -8633,14 +8974,26 @@
           <a:lstStyle/>
           <a:p>
             <a:r>
-              <a:rPr lang="en-US" altLang="zh-CN" dirty="0" smtClean="0"/>
+              <a:rPr lang="en-US" altLang="zh-CN" sz="3200" dirty="0">
+                <a:latin typeface="Cambria Math" panose="02040503050406030204" pitchFamily="18" charset="0"/>
+                <a:ea typeface="Cambria Math" panose="02040503050406030204" pitchFamily="18" charset="0"/>
+                <a:cs typeface="+mn-cs"/>
+              </a:rPr>
               <a:t>2. </a:t>
             </a:r>
             <a:r>
-              <a:rPr lang="en-US" altLang="zh-CN" dirty="0" err="1" smtClean="0"/>
+              <a:rPr lang="en-US" altLang="zh-CN" sz="3200" dirty="0" err="1">
+                <a:latin typeface="Cambria Math" panose="02040503050406030204" pitchFamily="18" charset="0"/>
+                <a:ea typeface="Cambria Math" panose="02040503050406030204" pitchFamily="18" charset="0"/>
+                <a:cs typeface="+mn-cs"/>
+              </a:rPr>
               <a:t>Logstash</a:t>
             </a:r>
-            <a:endParaRPr lang="zh-CN" altLang="en-US" dirty="0"/>
+            <a:endParaRPr lang="zh-CN" altLang="en-US" sz="3200" dirty="0">
+              <a:latin typeface="Cambria Math" panose="02040503050406030204" pitchFamily="18" charset="0"/>
+              <a:ea typeface="Cambria Math" panose="02040503050406030204" pitchFamily="18" charset="0"/>
+              <a:cs typeface="+mn-cs"/>
+            </a:endParaRPr>
           </a:p>
         </p:txBody>
       </p:sp>
@@ -9165,7 +9518,7 @@
                   <a:srgbClr val="00A9E5"/>
                 </a:solidFill>
                 <a:latin typeface="Open Sans" panose="020B0606030504020204" pitchFamily="34" charset="0"/>
-                <a:hlinkClick r:id="rId2"/>
+                <a:hlinkClick r:id="rId3"/>
               </a:rPr>
               <a:t>各种输入选择</a:t>
             </a:r>
@@ -9233,7 +9586,18 @@
           <p:nvPr/>
         </p:nvPicPr>
         <p:blipFill>
-          <a:blip r:embed="rId3"/>
+          <a:blip r:embed="rId4">
+            <a:clrChange>
+              <a:clrFrom>
+                <a:srgbClr val="F7F7F7"/>
+              </a:clrFrom>
+              <a:clrTo>
+                <a:srgbClr val="F7F7F7">
+                  <a:alpha val="0"/>
+                </a:srgbClr>
+              </a:clrTo>
+            </a:clrChange>
+          </a:blip>
           <a:stretch>
             <a:fillRect/>
           </a:stretch>
@@ -9256,8 +9620,8 @@
         </p:nvSpPr>
         <p:spPr>
           <a:xfrm>
-            <a:off x="174027" y="241361"/>
-            <a:ext cx="1224438" cy="369332"/>
+            <a:off x="132464" y="220579"/>
+            <a:ext cx="2109873" cy="535531"/>
           </a:xfrm>
           <a:prstGeom prst="rect">
             <a:avLst/>
@@ -9269,15 +9633,32 @@
           </a:bodyPr>
           <a:lstStyle/>
           <a:p>
-            <a:r>
-              <a:rPr lang="en-US" altLang="zh-CN" dirty="0"/>
+            <a:pPr>
+              <a:lnSpc>
+                <a:spcPct val="90000"/>
+              </a:lnSpc>
+              <a:spcBef>
+                <a:spcPct val="0"/>
+              </a:spcBef>
+            </a:pPr>
+            <a:r>
+              <a:rPr lang="en-US" altLang="zh-CN" sz="3200" b="1" dirty="0">
+                <a:latin typeface="Cambria Math" panose="02040503050406030204" pitchFamily="18" charset="0"/>
+                <a:ea typeface="Cambria Math" panose="02040503050406030204" pitchFamily="18" charset="0"/>
+              </a:rPr>
               <a:t>2. </a:t>
             </a:r>
             <a:r>
-              <a:rPr lang="en-US" altLang="zh-CN" dirty="0" err="1"/>
+              <a:rPr lang="en-US" altLang="zh-CN" sz="3200" b="1" dirty="0" err="1">
+                <a:latin typeface="Cambria Math" panose="02040503050406030204" pitchFamily="18" charset="0"/>
+                <a:ea typeface="Cambria Math" panose="02040503050406030204" pitchFamily="18" charset="0"/>
+              </a:rPr>
               <a:t>Logstash</a:t>
             </a:r>
-            <a:endParaRPr lang="zh-CN" altLang="en-US" dirty="0"/>
+            <a:endParaRPr lang="zh-CN" altLang="en-US" sz="3200" b="1" dirty="0">
+              <a:latin typeface="Cambria Math" panose="02040503050406030204" pitchFamily="18" charset="0"/>
+              <a:ea typeface="Cambria Math" panose="02040503050406030204" pitchFamily="18" charset="0"/>
+            </a:endParaRPr>
           </a:p>
         </p:txBody>
       </p:sp>
